--- a/osi-and-tcp.pptx
+++ b/osi-and-tcp.pptx
@@ -261,7 +261,7 @@
           <a:p>
             <a:fld id="{DD6DA41E-3EC1-4AC4-A31A-82468082845B}" type="datetimeFigureOut">
               <a:rPr lang="ko-KR" altLang="en-US" smtClean="0"/>
-              <a:t>2020-07-12</a:t>
+              <a:t>2020-07-21</a:t>
             </a:fld>
             <a:endParaRPr lang="ko-KR" altLang="en-US"/>
           </a:p>
@@ -461,7 +461,7 @@
           <a:p>
             <a:fld id="{DD6DA41E-3EC1-4AC4-A31A-82468082845B}" type="datetimeFigureOut">
               <a:rPr lang="ko-KR" altLang="en-US" smtClean="0"/>
-              <a:t>2020-07-12</a:t>
+              <a:t>2020-07-21</a:t>
             </a:fld>
             <a:endParaRPr lang="ko-KR" altLang="en-US"/>
           </a:p>
@@ -671,7 +671,7 @@
           <a:p>
             <a:fld id="{DD6DA41E-3EC1-4AC4-A31A-82468082845B}" type="datetimeFigureOut">
               <a:rPr lang="ko-KR" altLang="en-US" smtClean="0"/>
-              <a:t>2020-07-12</a:t>
+              <a:t>2020-07-21</a:t>
             </a:fld>
             <a:endParaRPr lang="ko-KR" altLang="en-US"/>
           </a:p>
@@ -871,7 +871,7 @@
           <a:p>
             <a:fld id="{DD6DA41E-3EC1-4AC4-A31A-82468082845B}" type="datetimeFigureOut">
               <a:rPr lang="ko-KR" altLang="en-US" smtClean="0"/>
-              <a:t>2020-07-12</a:t>
+              <a:t>2020-07-21</a:t>
             </a:fld>
             <a:endParaRPr lang="ko-KR" altLang="en-US"/>
           </a:p>
@@ -1147,7 +1147,7 @@
           <a:p>
             <a:fld id="{DD6DA41E-3EC1-4AC4-A31A-82468082845B}" type="datetimeFigureOut">
               <a:rPr lang="ko-KR" altLang="en-US" smtClean="0"/>
-              <a:t>2020-07-12</a:t>
+              <a:t>2020-07-21</a:t>
             </a:fld>
             <a:endParaRPr lang="ko-KR" altLang="en-US"/>
           </a:p>
@@ -1415,7 +1415,7 @@
           <a:p>
             <a:fld id="{DD6DA41E-3EC1-4AC4-A31A-82468082845B}" type="datetimeFigureOut">
               <a:rPr lang="ko-KR" altLang="en-US" smtClean="0"/>
-              <a:t>2020-07-12</a:t>
+              <a:t>2020-07-21</a:t>
             </a:fld>
             <a:endParaRPr lang="ko-KR" altLang="en-US"/>
           </a:p>
@@ -1830,7 +1830,7 @@
           <a:p>
             <a:fld id="{DD6DA41E-3EC1-4AC4-A31A-82468082845B}" type="datetimeFigureOut">
               <a:rPr lang="ko-KR" altLang="en-US" smtClean="0"/>
-              <a:t>2020-07-12</a:t>
+              <a:t>2020-07-21</a:t>
             </a:fld>
             <a:endParaRPr lang="ko-KR" altLang="en-US"/>
           </a:p>
@@ -1972,7 +1972,7 @@
           <a:p>
             <a:fld id="{DD6DA41E-3EC1-4AC4-A31A-82468082845B}" type="datetimeFigureOut">
               <a:rPr lang="ko-KR" altLang="en-US" smtClean="0"/>
-              <a:t>2020-07-12</a:t>
+              <a:t>2020-07-21</a:t>
             </a:fld>
             <a:endParaRPr lang="ko-KR" altLang="en-US"/>
           </a:p>
@@ -2085,7 +2085,7 @@
           <a:p>
             <a:fld id="{DD6DA41E-3EC1-4AC4-A31A-82468082845B}" type="datetimeFigureOut">
               <a:rPr lang="ko-KR" altLang="en-US" smtClean="0"/>
-              <a:t>2020-07-12</a:t>
+              <a:t>2020-07-21</a:t>
             </a:fld>
             <a:endParaRPr lang="ko-KR" altLang="en-US"/>
           </a:p>
@@ -2398,7 +2398,7 @@
           <a:p>
             <a:fld id="{DD6DA41E-3EC1-4AC4-A31A-82468082845B}" type="datetimeFigureOut">
               <a:rPr lang="ko-KR" altLang="en-US" smtClean="0"/>
-              <a:t>2020-07-12</a:t>
+              <a:t>2020-07-21</a:t>
             </a:fld>
             <a:endParaRPr lang="ko-KR" altLang="en-US"/>
           </a:p>
@@ -2687,7 +2687,7 @@
           <a:p>
             <a:fld id="{DD6DA41E-3EC1-4AC4-A31A-82468082845B}" type="datetimeFigureOut">
               <a:rPr lang="ko-KR" altLang="en-US" smtClean="0"/>
-              <a:t>2020-07-12</a:t>
+              <a:t>2020-07-21</a:t>
             </a:fld>
             <a:endParaRPr lang="ko-KR" altLang="en-US"/>
           </a:p>
@@ -2930,7 +2930,7 @@
           <a:p>
             <a:fld id="{DD6DA41E-3EC1-4AC4-A31A-82468082845B}" type="datetimeFigureOut">
               <a:rPr lang="ko-KR" altLang="en-US" smtClean="0"/>
-              <a:t>2020-07-12</a:t>
+              <a:t>2020-07-21</a:t>
             </a:fld>
             <a:endParaRPr lang="ko-KR" altLang="en-US"/>
           </a:p>
@@ -3412,7 +3412,7 @@
           <p:nvPr>
             <p:extLst>
               <p:ext uri="{D42A27DB-BD31-4B8C-83A1-F6EECF244321}">
-                <p14:modId xmlns:p14="http://schemas.microsoft.com/office/powerpoint/2010/main" val="200574621"/>
+                <p14:modId xmlns:p14="http://schemas.microsoft.com/office/powerpoint/2010/main" val="421715755"/>
               </p:ext>
             </p:extLst>
           </p:nvPr>
@@ -3581,12 +3581,20 @@
                   </a:txBody>
                   <a:tcPr/>
                 </a:tc>
-                <a:tc>
+                <a:tc rowSpan="3">
                   <a:txBody>
                     <a:bodyPr/>
                     <a:lstStyle/>
                     <a:p>
                       <a:pPr algn="ctr" latinLnBrk="1"/>
+                      <a:r>
+                        <a:rPr lang="en-US" altLang="ko-KR" sz="2400" dirty="0"/>
+                        <a:t>L7</a:t>
+                      </a:r>
+                      <a:r>
+                        <a:rPr lang="en-US" altLang="ko-KR" sz="2400"/>
+                        <a:t>(Firewall, IDS/IPS)</a:t>
+                      </a:r>
                       <a:endParaRPr lang="ko-KR" altLang="en-US" sz="2400" dirty="0"/>
                     </a:p>
                   </a:txBody>
@@ -3696,7 +3704,7 @@
                   </a:txBody>
                   <a:tcPr/>
                 </a:tc>
-                <a:tc>
+                <a:tc vMerge="1">
                   <a:txBody>
                     <a:bodyPr/>
                     <a:lstStyle/>
@@ -3774,7 +3782,7 @@
                   </a:txBody>
                   <a:tcPr/>
                 </a:tc>
-                <a:tc>
+                <a:tc vMerge="1">
                   <a:txBody>
                     <a:bodyPr/>
                     <a:lstStyle/>
@@ -3858,6 +3866,10 @@
                     <a:lstStyle/>
                     <a:p>
                       <a:pPr algn="ctr" latinLnBrk="1"/>
+                      <a:r>
+                        <a:rPr lang="en-US" altLang="ko-KR" sz="2400" dirty="0"/>
+                        <a:t>L4(NAT)</a:t>
+                      </a:r>
                       <a:endParaRPr lang="ko-KR" altLang="en-US" sz="2400" dirty="0"/>
                     </a:p>
                   </a:txBody>
@@ -3952,6 +3964,10 @@
                     <a:lstStyle/>
                     <a:p>
                       <a:pPr algn="ctr" latinLnBrk="1"/>
+                      <a:r>
+                        <a:rPr lang="en-US" altLang="ko-KR" sz="2400" dirty="0"/>
+                        <a:t>L3(Router)</a:t>
+                      </a:r>
                       <a:endParaRPr lang="ko-KR" altLang="en-US" sz="2400" dirty="0"/>
                     </a:p>
                   </a:txBody>
@@ -4046,6 +4062,10 @@
                     <a:lstStyle/>
                     <a:p>
                       <a:pPr algn="ctr" latinLnBrk="1"/>
+                      <a:r>
+                        <a:rPr lang="en-US" altLang="ko-KR" sz="2400" dirty="0"/>
+                        <a:t>L2(Switch)</a:t>
+                      </a:r>
                       <a:endParaRPr lang="ko-KR" altLang="en-US" sz="2400" dirty="0"/>
                     </a:p>
                   </a:txBody>
@@ -4147,7 +4167,11 @@
                     <a:lstStyle/>
                     <a:p>
                       <a:pPr algn="ctr" latinLnBrk="1"/>
-                      <a:endParaRPr lang="ko-KR" altLang="en-US" sz="2400"/>
+                      <a:r>
+                        <a:rPr lang="en-US" altLang="ko-KR" sz="2400" dirty="0"/>
+                        <a:t>L1</a:t>
+                      </a:r>
+                      <a:endParaRPr lang="ko-KR" altLang="en-US" sz="2400" dirty="0"/>
                     </a:p>
                   </a:txBody>
                   <a:tcPr/>
